--- a/System zarządzania biblioteką.pptx
+++ b/System zarządzania biblioteką.pptx
@@ -3580,7 +3580,7 @@
             <a:pPr algn="l"/>
             <a:r>
               <a:rPr lang="pl-PL" sz="8900" dirty="0"/>
-              <a:t>System zarządzania biblioteką – aplikacja desktopowa</a:t>
+              <a:t>System zarządzania biblioteką – aplikacja webowa</a:t>
             </a:r>
             <a:endParaRPr lang="en-GB" sz="8900" dirty="0"/>
           </a:p>
